--- a/dbstudy/OraclePPT/11. 기본 SQL 작성하기_DDL 활용.pptx
+++ b/dbstudy/OraclePPT/11. 기본 SQL 작성하기_DDL 활용.pptx
@@ -241,7 +241,7 @@
           <a:p>
             <a:fld id="{E150CED1-0BD3-437E-982C-E8005E10CB37}" type="datetimeFigureOut">
               <a:rPr lang="ko-KR" altLang="en-US" smtClean="0"/>
-              <a:t>2021-04-02</a:t>
+              <a:t>2021-09-07</a:t>
             </a:fld>
             <a:endParaRPr lang="ko-KR" altLang="en-US"/>
           </a:p>
@@ -10519,12 +10519,8 @@
               <a:buAutoNum type="arabicPeriod"/>
             </a:pPr>
             <a:r>
-              <a:rPr lang="en-US" altLang="ko-KR" dirty="0"/>
-              <a:t>SYSDATE </a:t>
-            </a:r>
-            <a:r>
-              <a:rPr lang="ko-KR" altLang="en-US" dirty="0"/>
-              <a:t>함수</a:t>
+              <a:rPr lang="en-US" altLang="ko-KR" dirty="0" smtClean="0"/>
+              <a:t>SYSDATE</a:t>
             </a:r>
             <a:endParaRPr lang="en-US" altLang="ko-KR" dirty="0"/>
           </a:p>
@@ -13518,10 +13514,10 @@
             <a:p>
               <a:pPr algn="ctr"/>
               <a:r>
-                <a:rPr lang="ko-KR" altLang="en-US" sz="1200" b="1" u="sng" dirty="0" err="1"/>
-                <a:t>종목코드</a:t>
+                <a:rPr lang="ko-KR" altLang="en-US" sz="1200" smtClean="0"/>
+                <a:t>종목특징</a:t>
               </a:r>
-              <a:endParaRPr lang="ko-KR" altLang="en-US" sz="1200" b="1" u="sng" dirty="0"/>
+              <a:endParaRPr lang="ko-KR" altLang="en-US" sz="1200" dirty="0"/>
             </a:p>
           </p:txBody>
         </p:sp>
@@ -13602,9 +13598,10 @@
             <a:p>
               <a:pPr algn="ctr"/>
               <a:r>
-                <a:rPr lang="ko-KR" altLang="en-US" sz="1200"/>
-                <a:t>종목특징</a:t>
+                <a:rPr lang="ko-KR" altLang="en-US" sz="1200" b="1" u="sng" dirty="0" err="1"/>
+                <a:t>종목코드</a:t>
               </a:r>
+              <a:endParaRPr lang="ko-KR" altLang="en-US" sz="1200" dirty="0"/>
             </a:p>
           </p:txBody>
         </p:sp>
@@ -14314,8 +14311,8 @@
             <a:p>
               <a:pPr algn="ctr"/>
               <a:r>
-                <a:rPr lang="ko-KR" altLang="en-US" sz="1200" dirty="0" smtClean="0"/>
-                <a:t>종목코드</a:t>
+                <a:rPr lang="ko-KR" altLang="en-US" sz="1200" dirty="0" err="1" smtClean="0"/>
+                <a:t>현재랭킹</a:t>
               </a:r>
               <a:endParaRPr lang="ko-KR" altLang="en-US" sz="1200" dirty="0"/>
             </a:p>
@@ -14397,9 +14394,10 @@
             <a:p>
               <a:pPr algn="ctr"/>
               <a:r>
-                <a:rPr lang="ko-KR" altLang="en-US" sz="1200"/>
-                <a:t>현재랭킹</a:t>
+                <a:rPr lang="ko-KR" altLang="en-US" sz="1200" dirty="0" err="1" smtClean="0"/>
+                <a:t>종목코드</a:t>
               </a:r>
+              <a:endParaRPr lang="ko-KR" altLang="en-US" sz="1200" dirty="0"/>
             </a:p>
           </p:txBody>
         </p:sp>
